--- a/APK e Presentazione/Processi in background in Android - approfondimento Mobile.pptx
+++ b/APK e Presentazione/Processi in background in Android - approfondimento Mobile.pptx
@@ -3254,7 +3254,7 @@
           <a:p>
             <a:fld id="{1DEAAEE5-7379-4121-84C1-5EAA3DCF2D1F}" type="datetimeFigureOut">
               <a:rPr lang="it-IT" smtClean="0"/>
-              <a:t>11/07/2022</a:t>
+              <a:t>12/07/2022</a:t>
             </a:fld>
             <a:endParaRPr lang="it-IT"/>
           </a:p>
@@ -3452,7 +3452,7 @@
           <a:p>
             <a:fld id="{1DEAAEE5-7379-4121-84C1-5EAA3DCF2D1F}" type="datetimeFigureOut">
               <a:rPr lang="it-IT" smtClean="0"/>
-              <a:t>11/07/2022</a:t>
+              <a:t>12/07/2022</a:t>
             </a:fld>
             <a:endParaRPr lang="it-IT"/>
           </a:p>
@@ -3660,7 +3660,7 @@
           <a:p>
             <a:fld id="{1DEAAEE5-7379-4121-84C1-5EAA3DCF2D1F}" type="datetimeFigureOut">
               <a:rPr lang="it-IT" smtClean="0"/>
-              <a:t>11/07/2022</a:t>
+              <a:t>12/07/2022</a:t>
             </a:fld>
             <a:endParaRPr lang="it-IT"/>
           </a:p>
@@ -3858,7 +3858,7 @@
           <a:p>
             <a:fld id="{1DEAAEE5-7379-4121-84C1-5EAA3DCF2D1F}" type="datetimeFigureOut">
               <a:rPr lang="it-IT" smtClean="0"/>
-              <a:t>11/07/2022</a:t>
+              <a:t>12/07/2022</a:t>
             </a:fld>
             <a:endParaRPr lang="it-IT"/>
           </a:p>
@@ -4133,7 +4133,7 @@
           <a:p>
             <a:fld id="{1DEAAEE5-7379-4121-84C1-5EAA3DCF2D1F}" type="datetimeFigureOut">
               <a:rPr lang="it-IT" smtClean="0"/>
-              <a:t>11/07/2022</a:t>
+              <a:t>12/07/2022</a:t>
             </a:fld>
             <a:endParaRPr lang="it-IT"/>
           </a:p>
@@ -4398,7 +4398,7 @@
           <a:p>
             <a:fld id="{1DEAAEE5-7379-4121-84C1-5EAA3DCF2D1F}" type="datetimeFigureOut">
               <a:rPr lang="it-IT" smtClean="0"/>
-              <a:t>11/07/2022</a:t>
+              <a:t>12/07/2022</a:t>
             </a:fld>
             <a:endParaRPr lang="it-IT"/>
           </a:p>
@@ -4810,7 +4810,7 @@
           <a:p>
             <a:fld id="{1DEAAEE5-7379-4121-84C1-5EAA3DCF2D1F}" type="datetimeFigureOut">
               <a:rPr lang="it-IT" smtClean="0"/>
-              <a:t>11/07/2022</a:t>
+              <a:t>12/07/2022</a:t>
             </a:fld>
             <a:endParaRPr lang="it-IT"/>
           </a:p>
@@ -4951,7 +4951,7 @@
           <a:p>
             <a:fld id="{1DEAAEE5-7379-4121-84C1-5EAA3DCF2D1F}" type="datetimeFigureOut">
               <a:rPr lang="it-IT" smtClean="0"/>
-              <a:t>11/07/2022</a:t>
+              <a:t>12/07/2022</a:t>
             </a:fld>
             <a:endParaRPr lang="it-IT"/>
           </a:p>
@@ -5064,7 +5064,7 @@
           <a:p>
             <a:fld id="{1DEAAEE5-7379-4121-84C1-5EAA3DCF2D1F}" type="datetimeFigureOut">
               <a:rPr lang="it-IT" smtClean="0"/>
-              <a:t>11/07/2022</a:t>
+              <a:t>12/07/2022</a:t>
             </a:fld>
             <a:endParaRPr lang="it-IT"/>
           </a:p>
@@ -5375,7 +5375,7 @@
           <a:p>
             <a:fld id="{1DEAAEE5-7379-4121-84C1-5EAA3DCF2D1F}" type="datetimeFigureOut">
               <a:rPr lang="it-IT" smtClean="0"/>
-              <a:t>11/07/2022</a:t>
+              <a:t>12/07/2022</a:t>
             </a:fld>
             <a:endParaRPr lang="it-IT"/>
           </a:p>
@@ -5663,7 +5663,7 @@
           <a:p>
             <a:fld id="{1DEAAEE5-7379-4121-84C1-5EAA3DCF2D1F}" type="datetimeFigureOut">
               <a:rPr lang="it-IT" smtClean="0"/>
-              <a:t>11/07/2022</a:t>
+              <a:t>12/07/2022</a:t>
             </a:fld>
             <a:endParaRPr lang="it-IT"/>
           </a:p>
@@ -5904,7 +5904,7 @@
           <a:p>
             <a:fld id="{1DEAAEE5-7379-4121-84C1-5EAA3DCF2D1F}" type="datetimeFigureOut">
               <a:rPr lang="it-IT" smtClean="0"/>
-              <a:t>11/07/2022</a:t>
+              <a:t>12/07/2022</a:t>
             </a:fld>
             <a:endParaRPr lang="it-IT"/>
           </a:p>
@@ -11170,7 +11170,7 @@
               <a:t> </a:t>
             </a:r>
             <a:r>
-              <a:rPr kumimoji="0" lang="it-IT" altLang="it-IT" sz="3200" i="0" u="none" strike="noStrike" cap="none" normalizeH="0" baseline="0" dirty="0">
+              <a:rPr kumimoji="0" lang="it-IT" altLang="it-IT" sz="3200" b="1" i="0" u="none" strike="noStrike" cap="none" normalizeH="0" baseline="0" dirty="0">
                 <a:ln>
                   <a:noFill/>
                 </a:ln>
@@ -11215,7 +11215,27 @@
                 <a:effectLst/>
                 <a:latin typeface="Roboto" panose="020B0604020202020204" pitchFamily="2" charset="0"/>
               </a:rPr>
-              <a:t> L'app non esegue alcun servizio in primo piano avviato mentre un'attività dell'app era visibile all'utente.</a:t>
+              <a:t> </a:t>
+            </a:r>
+            <a:r>
+              <a:rPr kumimoji="0" lang="it-IT" altLang="it-IT" sz="3200" b="1" i="0" u="none" strike="noStrike" cap="none" normalizeH="0" baseline="0" dirty="0">
+                <a:ln>
+                  <a:noFill/>
+                </a:ln>
+                <a:effectLst/>
+                <a:latin typeface="Roboto" panose="020B0604020202020204" pitchFamily="2" charset="0"/>
+              </a:rPr>
+              <a:t>L'app non esegue alcun servizio in primo piano avviato mentre un'attività dell'app era visibile all'utente</a:t>
+            </a:r>
+            <a:r>
+              <a:rPr kumimoji="0" lang="it-IT" altLang="it-IT" sz="3200" b="0" i="0" u="none" strike="noStrike" cap="none" normalizeH="0" baseline="0" dirty="0">
+                <a:ln>
+                  <a:noFill/>
+                </a:ln>
+                <a:effectLst/>
+                <a:latin typeface="Roboto" panose="020B0604020202020204" pitchFamily="2" charset="0"/>
+              </a:rPr>
+              <a:t>.</a:t>
             </a:r>
           </a:p>
           <a:p>
@@ -11385,7 +11405,7 @@
         </p:nvSpPr>
         <p:spPr>
           <a:xfrm>
-            <a:off x="377190" y="371475"/>
+            <a:off x="377190" y="278169"/>
             <a:ext cx="3830954" cy="1962149"/>
           </a:xfrm>
         </p:spPr>
@@ -11651,13 +11671,13 @@
         </p:nvSpPr>
         <p:spPr>
           <a:xfrm>
-            <a:off x="4585334" y="371475"/>
-            <a:ext cx="7479521" cy="2203774"/>
+            <a:off x="4585334" y="332817"/>
+            <a:ext cx="7821168" cy="3096183"/>
           </a:xfrm>
         </p:spPr>
         <p:txBody>
           <a:bodyPr anchor="ctr">
-            <a:normAutofit fontScale="92500"/>
+            <a:normAutofit lnSpcReduction="10000"/>
           </a:bodyPr>
           <a:lstStyle/>
           <a:p>
@@ -11668,7 +11688,7 @@
               <a:buNone/>
             </a:pPr>
             <a:r>
-              <a:rPr lang="it-IT" sz="2000" b="0" i="0" dirty="0">
+              <a:rPr lang="it-IT" sz="2100" b="0" i="0" dirty="0">
                 <a:effectLst/>
                 <a:latin typeface="Roboto" panose="02000000000000000000" pitchFamily="2" charset="0"/>
               </a:rPr>
@@ -11684,14 +11704,14 @@
               <a:buChar char="•"/>
             </a:pPr>
             <a:r>
-              <a:rPr lang="it-IT" sz="2000" b="1" i="0" dirty="0">
+              <a:rPr lang="it-IT" sz="2100" b="1" i="0" dirty="0">
                 <a:effectLst/>
                 <a:latin typeface="Roboto" panose="02000000000000000000" pitchFamily="2" charset="0"/>
               </a:rPr>
               <a:t>Immediato:</a:t>
             </a:r>
             <a:r>
-              <a:rPr lang="it-IT" sz="2000" b="0" i="0" dirty="0">
+              <a:rPr lang="it-IT" sz="2100" b="0" i="0" dirty="0">
                 <a:effectLst/>
                 <a:latin typeface="Roboto" panose="02000000000000000000" pitchFamily="2" charset="0"/>
               </a:rPr>
@@ -11707,14 +11727,14 @@
               <a:buChar char="•"/>
             </a:pPr>
             <a:r>
-              <a:rPr lang="it-IT" sz="2000" b="1" i="0" dirty="0">
+              <a:rPr lang="it-IT" sz="2100" b="1" i="0" dirty="0">
                 <a:effectLst/>
                 <a:latin typeface="Roboto" panose="02000000000000000000" pitchFamily="2" charset="0"/>
               </a:rPr>
               <a:t>Lunga durata:</a:t>
             </a:r>
             <a:r>
-              <a:rPr lang="it-IT" sz="2000" b="0" i="0" dirty="0">
+              <a:rPr lang="it-IT" sz="2100" b="0" i="0" dirty="0">
                 <a:effectLst/>
                 <a:latin typeface="Roboto" panose="02000000000000000000" pitchFamily="2" charset="0"/>
               </a:rPr>
@@ -11730,14 +11750,14 @@
               <a:buChar char="•"/>
             </a:pPr>
             <a:r>
-              <a:rPr lang="it-IT" sz="2000" b="1" i="0" dirty="0">
+              <a:rPr lang="it-IT" sz="2100" b="1" i="0" dirty="0">
                 <a:effectLst/>
                 <a:latin typeface="Roboto" panose="02000000000000000000" pitchFamily="2" charset="0"/>
               </a:rPr>
               <a:t>Rinviabile:</a:t>
             </a:r>
             <a:r>
-              <a:rPr lang="it-IT" sz="2000" b="0" i="0" dirty="0">
+              <a:rPr lang="it-IT" sz="2100" b="0" i="0" dirty="0">
                 <a:effectLst/>
                 <a:latin typeface="Roboto" panose="02000000000000000000" pitchFamily="2" charset="0"/>
               </a:rPr>
@@ -11748,10 +11768,10 @@
       </p:sp>
       <p:pic>
         <p:nvPicPr>
-          <p:cNvPr id="5" name="Immagine 4">
+          <p:cNvPr id="6" name="Immagine 5">
             <a:extLst>
               <a:ext uri="{FF2B5EF4-FFF2-40B4-BE49-F238E27FC236}">
-                <a16:creationId xmlns:a16="http://schemas.microsoft.com/office/drawing/2014/main" id="{14549D24-32D6-93D5-1468-FA1FEE3CF4D1}"/>
+                <a16:creationId xmlns:a16="http://schemas.microsoft.com/office/drawing/2014/main" id="{AD5B238A-CB2F-A392-7205-5DAC304A3C5D}"/>
               </a:ext>
             </a:extLst>
           </p:cNvPr>
@@ -11768,8 +11788,8 @@
         </p:blipFill>
         <p:spPr>
           <a:xfrm>
-            <a:off x="637032" y="2810513"/>
-            <a:ext cx="10917936" cy="3521033"/>
+            <a:off x="1298794" y="3572045"/>
+            <a:ext cx="9594411" cy="3033023"/>
           </a:xfrm>
           <a:prstGeom prst="rect">
             <a:avLst/>
@@ -12274,7 +12294,20 @@
                 <a:effectLst/>
                 <a:latin typeface="Roboto" panose="02000000000000000000" pitchFamily="2" charset="0"/>
               </a:rPr>
-              <a:t> : rimane programmato attraverso £ il riavvio dell'app e il riavvio del dispositivo.</a:t>
+              <a:t> : rimane programmato </a:t>
+            </a:r>
+            <a:r>
+              <a:rPr lang="it-IT" sz="2400" dirty="0">
+                <a:latin typeface="Roboto" panose="02000000000000000000" pitchFamily="2" charset="0"/>
+              </a:rPr>
+              <a:t>nonostante</a:t>
+            </a:r>
+            <a:r>
+              <a:rPr lang="it-IT" sz="2400" b="0" i="0" dirty="0">
+                <a:effectLst/>
+                <a:latin typeface="Roboto" panose="02000000000000000000" pitchFamily="2" charset="0"/>
+              </a:rPr>
+              <a:t> il riavvio dell'app e il riavvio del dispositivo.</a:t>
             </a:r>
           </a:p>
           <a:p>
@@ -12294,7 +12327,7 @@
                 <a:effectLst/>
                 <a:latin typeface="Roboto" panose="02000000000000000000" pitchFamily="2" charset="0"/>
               </a:rPr>
-              <a:t> non più programmato al termine del processo.</a:t>
+              <a:t> non rimane programmato al termine del processo.</a:t>
             </a:r>
           </a:p>
         </p:txBody>
@@ -13277,7 +13310,15 @@
             </a:pPr>
             <a:r>
               <a:rPr lang="it-IT" dirty="0"/>
-              <a:t>Comprende compiti che devono essere eseguiti immediatamente. Si tratta di attività importanti per l'utente o che altrimenti </a:t>
+              <a:t>Comprende compiti che devono essere eseguiti immediatamente. Si tratta di </a:t>
+            </a:r>
+            <a:r>
+              <a:rPr lang="it-IT" b="1" dirty="0"/>
+              <a:t>attività importanti</a:t>
+            </a:r>
+            <a:r>
+              <a:rPr lang="it-IT" dirty="0"/>
+              <a:t> per l'utente o che altrimenti </a:t>
             </a:r>
             <a:r>
               <a:rPr lang="it-IT" b="1" dirty="0"/>
@@ -13304,7 +13345,15 @@
             </a:r>
             <a:r>
               <a:rPr lang="it-IT" i="1" dirty="0"/>
-              <a:t>: un'app deve caricare i dati da database, effettuare una tale richiesta sul thread principale lo bloccherà e causerà un errore dell'interfaccia utente. L'app invece effettua la richiesta fuori dal thread principale in una coroutine.</a:t>
+              <a:t>: un'app deve </a:t>
+            </a:r>
+            <a:r>
+              <a:rPr lang="it-IT" b="1" i="1" dirty="0"/>
+              <a:t>caricare i dati da database</a:t>
+            </a:r>
+            <a:r>
+              <a:rPr lang="it-IT" i="1" dirty="0"/>
+              <a:t>, effettuare una tale richiesta sul thread principale lo bloccherà e causerà un errore dell'interfaccia utente. L'app invece effettua la richiesta fuori dal thread principale in una coroutine.</a:t>
             </a:r>
           </a:p>
           <a:p>
@@ -13314,7 +13363,15 @@
             </a:r>
             <a:r>
               <a:rPr lang="it-IT" i="1" dirty="0"/>
-              <a:t>: un'app deve inviare un messaggio in un'app di chat. L'app crea un Worker e accoda l'attività come WorkRequest. Accelera la richiesta di lavoro con setExpedited().</a:t>
+              <a:t>: un'app deve </a:t>
+            </a:r>
+            <a:r>
+              <a:rPr lang="it-IT" b="1" i="1" dirty="0"/>
+              <a:t>inviare un messaggio </a:t>
+            </a:r>
+            <a:r>
+              <a:rPr lang="it-IT" i="1" dirty="0"/>
+              <a:t>in un'app di chat. L'app crea un Worker e accoda l'attività come WorkRequest. Accelera la richiesta di lavoro con setExpedited().</a:t>
             </a:r>
           </a:p>
         </p:txBody>
@@ -13789,7 +13846,15 @@
             </a:pPr>
             <a:r>
               <a:rPr lang="it-IT" dirty="0"/>
-              <a:t>Il lavoro è di lunga durata se è probabile che siano necessari </a:t>
+              <a:t>Il lavoro è di lunga durata se è probabile che siano </a:t>
+            </a:r>
+            <a:r>
+              <a:rPr lang="it-IT" b="1" dirty="0"/>
+              <a:t>necessari</a:t>
+            </a:r>
+            <a:r>
+              <a:rPr lang="it-IT" dirty="0"/>
+              <a:t> </a:t>
             </a:r>
             <a:r>
               <a:rPr lang="it-IT" b="1" dirty="0"/>
@@ -13797,7 +13862,15 @@
             </a:r>
             <a:r>
               <a:rPr lang="it-IT" dirty="0"/>
-              <a:t>per essere completato. Dove possibile dovresti suddividere i carichi di lavoro e gestire le attività come lavoro differibile, altrimenti WorkManager consente di gestire tali attività utilizzando un lavoratore di lunga durata.</a:t>
+              <a:t>per essere completato. Dove possibile </a:t>
+            </a:r>
+            <a:r>
+              <a:rPr lang="it-IT" b="1" dirty="0"/>
+              <a:t>dovresti suddividere i carichi di lavoro </a:t>
+            </a:r>
+            <a:r>
+              <a:rPr lang="it-IT" dirty="0"/>
+              <a:t>e gestire le attività come lavoro differibile, altrimenti WorkManager consente di gestire tali attività utilizzando un lavoratore di lunga durata.</a:t>
             </a:r>
           </a:p>
           <a:p>
@@ -13812,7 +13885,15 @@
           <a:p>
             <a:r>
               <a:rPr lang="it-IT" i="1" dirty="0"/>
-              <a:t>Un'app deve scaricare un file di grandi dimensioni che non puoi raggruppare. Crea un Worker di lunga durata e accoda il download. L'app scarica quindi il file in background in quindici minuti.</a:t>
+              <a:t>Un'app </a:t>
+            </a:r>
+            <a:r>
+              <a:rPr lang="it-IT" b="1" i="1" dirty="0"/>
+              <a:t>deve scaricare un file di grandi dimensioni </a:t>
+            </a:r>
+            <a:r>
+              <a:rPr lang="it-IT" i="1" dirty="0"/>
+              <a:t>che non puoi raggruppare. Crea un Worker di lunga durata e accoda il download. L'app scarica il file in background.</a:t>
             </a:r>
             <a:endParaRPr lang="it-IT" dirty="0"/>
           </a:p>
@@ -14288,7 +14369,15 @@
             </a:pPr>
             <a:r>
               <a:rPr lang="it-IT" dirty="0"/>
-              <a:t>È qualsiasi lavoro che non deve essere eseguito immediatamente. La </a:t>
+              <a:t>È qualsiasi lavoro che </a:t>
+            </a:r>
+            <a:r>
+              <a:rPr lang="it-IT" b="1" dirty="0"/>
+              <a:t>non deve essere eseguito immediatamente</a:t>
+            </a:r>
+            <a:r>
+              <a:rPr lang="it-IT" dirty="0"/>
+              <a:t>. La </a:t>
             </a:r>
             <a:r>
               <a:rPr lang="it-IT" b="1" dirty="0"/>
@@ -14311,15 +14400,15 @@
           <a:p>
             <a:r>
               <a:rPr lang="it-IT" i="1" dirty="0"/>
-              <a:t>Un'app vuole sincronizzare regolarmente i dati con un back-end. L'utente non attiva la sincronizzazione e il lavoro dovrebbe aver luogo quando il dispositivo è inattivo. L'approccio consigliato consiste nell'usare </a:t>
+              <a:t>Un'app vuole </a:t>
             </a:r>
             <a:r>
-              <a:rPr lang="it-IT" i="1" dirty="0" err="1"/>
-              <a:t>PeriodicWorkRequest</a:t>
+              <a:rPr lang="it-IT" b="1" i="1" dirty="0"/>
+              <a:t>sincronizzare regolarmente i dati </a:t>
             </a:r>
             <a:r>
               <a:rPr lang="it-IT" i="1" dirty="0"/>
-              <a:t> con un ruolo di lavoro personalizzato e vincoli per questi scenari.</a:t>
+              <a:t>con un back-end. L'utente non attiva la sincronizzazione e il lavoro dovrebbe aver luogo quando il dispositivo è inattivo. L'approccio consigliato consiste nell'usare PeriodicWorkRequest con un ruolo di lavoro personalizzato e vincoli per questi scenari.</a:t>
             </a:r>
             <a:endParaRPr lang="it-IT" dirty="0"/>
           </a:p>
